--- a/Unit 5 Energy/Day05_ConservationOfEnergy/SampleConservationProblems.pptx
+++ b/Unit 5 Energy/Day05_ConservationOfEnergy/SampleConservationProblems.pptx
@@ -246,7 +246,7 @@
           <a:p>
             <a:fld id="{3452C99C-513E-48E2-B4A2-22F30B40F0FE}" type="datetimeFigureOut">
               <a:rPr lang="en-US" smtClean="0"/>
-              <a:t>5/29/2019</a:t>
+              <a:t>12/18/2019</a:t>
             </a:fld>
             <a:endParaRPr lang="en-US"/>
           </a:p>
@@ -416,7 +416,7 @@
           <a:p>
             <a:fld id="{3452C99C-513E-48E2-B4A2-22F30B40F0FE}" type="datetimeFigureOut">
               <a:rPr lang="en-US" smtClean="0"/>
-              <a:t>5/29/2019</a:t>
+              <a:t>12/18/2019</a:t>
             </a:fld>
             <a:endParaRPr lang="en-US"/>
           </a:p>
@@ -596,7 +596,7 @@
           <a:p>
             <a:fld id="{3452C99C-513E-48E2-B4A2-22F30B40F0FE}" type="datetimeFigureOut">
               <a:rPr lang="en-US" smtClean="0"/>
-              <a:t>5/29/2019</a:t>
+              <a:t>12/18/2019</a:t>
             </a:fld>
             <a:endParaRPr lang="en-US"/>
           </a:p>
@@ -766,7 +766,7 @@
           <a:p>
             <a:fld id="{3452C99C-513E-48E2-B4A2-22F30B40F0FE}" type="datetimeFigureOut">
               <a:rPr lang="en-US" smtClean="0"/>
-              <a:t>5/29/2019</a:t>
+              <a:t>12/18/2019</a:t>
             </a:fld>
             <a:endParaRPr lang="en-US"/>
           </a:p>
@@ -1010,7 +1010,7 @@
           <a:p>
             <a:fld id="{3452C99C-513E-48E2-B4A2-22F30B40F0FE}" type="datetimeFigureOut">
               <a:rPr lang="en-US" smtClean="0"/>
-              <a:t>5/29/2019</a:t>
+              <a:t>12/18/2019</a:t>
             </a:fld>
             <a:endParaRPr lang="en-US"/>
           </a:p>
@@ -1242,7 +1242,7 @@
           <a:p>
             <a:fld id="{3452C99C-513E-48E2-B4A2-22F30B40F0FE}" type="datetimeFigureOut">
               <a:rPr lang="en-US" smtClean="0"/>
-              <a:t>5/29/2019</a:t>
+              <a:t>12/18/2019</a:t>
             </a:fld>
             <a:endParaRPr lang="en-US"/>
           </a:p>
@@ -1609,7 +1609,7 @@
           <a:p>
             <a:fld id="{3452C99C-513E-48E2-B4A2-22F30B40F0FE}" type="datetimeFigureOut">
               <a:rPr lang="en-US" smtClean="0"/>
-              <a:t>5/29/2019</a:t>
+              <a:t>12/18/2019</a:t>
             </a:fld>
             <a:endParaRPr lang="en-US"/>
           </a:p>
@@ -1727,7 +1727,7 @@
           <a:p>
             <a:fld id="{3452C99C-513E-48E2-B4A2-22F30B40F0FE}" type="datetimeFigureOut">
               <a:rPr lang="en-US" smtClean="0"/>
-              <a:t>5/29/2019</a:t>
+              <a:t>12/18/2019</a:t>
             </a:fld>
             <a:endParaRPr lang="en-US"/>
           </a:p>
@@ -1822,7 +1822,7 @@
           <a:p>
             <a:fld id="{3452C99C-513E-48E2-B4A2-22F30B40F0FE}" type="datetimeFigureOut">
               <a:rPr lang="en-US" smtClean="0"/>
-              <a:t>5/29/2019</a:t>
+              <a:t>12/18/2019</a:t>
             </a:fld>
             <a:endParaRPr lang="en-US"/>
           </a:p>
@@ -2099,7 +2099,7 @@
           <a:p>
             <a:fld id="{3452C99C-513E-48E2-B4A2-22F30B40F0FE}" type="datetimeFigureOut">
               <a:rPr lang="en-US" smtClean="0"/>
-              <a:t>5/29/2019</a:t>
+              <a:t>12/18/2019</a:t>
             </a:fld>
             <a:endParaRPr lang="en-US"/>
           </a:p>
@@ -2356,7 +2356,7 @@
           <a:p>
             <a:fld id="{3452C99C-513E-48E2-B4A2-22F30B40F0FE}" type="datetimeFigureOut">
               <a:rPr lang="en-US" smtClean="0"/>
-              <a:t>5/29/2019</a:t>
+              <a:t>12/18/2019</a:t>
             </a:fld>
             <a:endParaRPr lang="en-US"/>
           </a:p>
@@ -2569,7 +2569,7 @@
           <a:p>
             <a:fld id="{3452C99C-513E-48E2-B4A2-22F30B40F0FE}" type="datetimeFigureOut">
               <a:rPr lang="en-US" smtClean="0"/>
-              <a:t>5/29/2019</a:t>
+              <a:t>12/18/2019</a:t>
             </a:fld>
             <a:endParaRPr lang="en-US"/>
           </a:p>
@@ -3090,14 +3090,14 @@
           <p:nvPr>
             <p:extLst>
               <p:ext uri="{D42A27DB-BD31-4B8C-83A1-F6EECF244321}">
-                <p14:modId xmlns:p14="http://schemas.microsoft.com/office/powerpoint/2010/main" val="2147353992"/>
+                <p14:modId xmlns:p14="http://schemas.microsoft.com/office/powerpoint/2010/main" val="3746612581"/>
               </p:ext>
             </p:extLst>
           </p:nvPr>
         </p:nvGraphicFramePr>
         <p:xfrm>
-          <a:off x="942000" y="3673670"/>
-          <a:ext cx="7573350" cy="2607832"/>
+          <a:off x="860661" y="3660022"/>
+          <a:ext cx="7546360" cy="2607832"/>
         </p:xfrm>
         <a:graphic>
           <a:graphicData uri="http://schemas.openxmlformats.org/drawingml/2006/table">
@@ -3106,48 +3106,49 @@
                 <a:tableStyleId>{5940675A-B579-460E-94D1-54222C63F5DA}</a:tableStyleId>
               </a:tblPr>
               <a:tblGrid>
-                <a:gridCol w="1060584">
+                <a:gridCol w="1043590">
                   <a:extLst>
                     <a:ext uri="{9D8B030D-6E8A-4147-A177-3AD203B41FA5}">
-                      <a16:colId xmlns:a16="http://schemas.microsoft.com/office/drawing/2014/main" xmlns="" val="20000"/>
+                      <a16:colId xmlns="" xmlns:a16="http://schemas.microsoft.com/office/drawing/2014/main" val="20000"/>
                     </a:ext>
                   </a:extLst>
                 </a:gridCol>
-                <a:gridCol w="1463866">
+                <a:gridCol w="1239717">
                   <a:extLst>
                     <a:ext uri="{9D8B030D-6E8A-4147-A177-3AD203B41FA5}">
-                      <a16:colId xmlns:a16="http://schemas.microsoft.com/office/drawing/2014/main" xmlns="" val="20001"/>
+                      <a16:colId xmlns="" xmlns:a16="http://schemas.microsoft.com/office/drawing/2014/main" val="20001"/>
                     </a:ext>
                   </a:extLst>
                 </a:gridCol>
-                <a:gridCol w="1262225">
+                <a:gridCol w="1239717">
                   <a:extLst>
                     <a:ext uri="{9D8B030D-6E8A-4147-A177-3AD203B41FA5}">
-                      <a16:colId xmlns:a16="http://schemas.microsoft.com/office/drawing/2014/main" xmlns="" val="20002"/>
+                      <a16:colId xmlns="" xmlns:a16="http://schemas.microsoft.com/office/drawing/2014/main" val="20002"/>
                     </a:ext>
                   </a:extLst>
                 </a:gridCol>
-                <a:gridCol w="1262225">
+                <a:gridCol w="1239717">
                   <a:extLst>
                     <a:ext uri="{9D8B030D-6E8A-4147-A177-3AD203B41FA5}">
-                      <a16:colId xmlns:a16="http://schemas.microsoft.com/office/drawing/2014/main" xmlns="" val="20003"/>
+                      <a16:colId xmlns="" xmlns:a16="http://schemas.microsoft.com/office/drawing/2014/main" val="20003"/>
                     </a:ext>
                   </a:extLst>
                 </a:gridCol>
-                <a:gridCol w="1262225">
+                <a:gridCol w="1239717">
                   <a:extLst>
                     <a:ext uri="{9D8B030D-6E8A-4147-A177-3AD203B41FA5}">
-                      <a16:colId xmlns:a16="http://schemas.microsoft.com/office/drawing/2014/main" xmlns="" val="20004"/>
+                      <a16:colId xmlns="" xmlns:a16="http://schemas.microsoft.com/office/drawing/2014/main" val="20004"/>
                     </a:ext>
                   </a:extLst>
                 </a:gridCol>
-                <a:gridCol w="1262225">
+                <a:gridCol w="1239717">
                   <a:extLst>
                     <a:ext uri="{9D8B030D-6E8A-4147-A177-3AD203B41FA5}">
-                      <a16:colId xmlns:a16="http://schemas.microsoft.com/office/drawing/2014/main" xmlns="" val="20005"/>
+                      <a16:colId xmlns="" xmlns:a16="http://schemas.microsoft.com/office/drawing/2014/main" val="20005"/>
                     </a:ext>
                   </a:extLst>
                 </a:gridCol>
+                <a:gridCol w="304185"/>
               </a:tblGrid>
               <a:tr h="515775">
                 <a:tc>
@@ -3172,10 +3173,14 @@
                     <a:p>
                       <a:pPr algn="ctr"/>
                       <a:r>
-                        <a:rPr lang="en-CA" sz="1400" b="1" dirty="0" smtClean="0"/>
-                        <a:t>H - Height</a:t>
+                        <a:rPr lang="en-CA" sz="1400" b="0" dirty="0" smtClean="0"/>
+                        <a:t>h </a:t>
                       </a:r>
-                      <a:endParaRPr lang="en-US" sz="1400" b="1" dirty="0"/>
+                      <a:r>
+                        <a:rPr lang="en-CA" sz="1400" b="0" dirty="0" smtClean="0"/>
+                        <a:t>- Height</a:t>
+                      </a:r>
+                      <a:endParaRPr lang="en-US" sz="1400" b="0" dirty="0"/>
                     </a:p>
                   </a:txBody>
                   <a:tcPr/>
@@ -3221,10 +3226,14 @@
                     <a:p>
                       <a:pPr algn="ctr"/>
                       <a:r>
-                        <a:rPr lang="en-CA" sz="1400" b="1" dirty="0" smtClean="0"/>
-                        <a:t>V - Speed</a:t>
+                        <a:rPr lang="en-CA" sz="1400" b="0" dirty="0" smtClean="0"/>
+                        <a:t>v </a:t>
                       </a:r>
-                      <a:endParaRPr lang="en-US" sz="1400" b="1" dirty="0"/>
+                      <a:r>
+                        <a:rPr lang="en-CA" sz="1400" b="0" dirty="0" smtClean="0"/>
+                        <a:t>- Speed</a:t>
+                      </a:r>
+                      <a:endParaRPr lang="en-US" sz="1400" b="0" dirty="0"/>
                     </a:p>
                   </a:txBody>
                   <a:tcPr/>
@@ -3261,7 +3270,17 @@
                       <a:endParaRPr lang="en-US" sz="1400" b="1" dirty="0"/>
                     </a:p>
                   </a:txBody>
-                  <a:tcPr/>
+                  <a:tcPr>
+                    <a:lnR w="28575" cap="flat" cmpd="sng" algn="ctr">
+                      <a:solidFill>
+                        <a:schemeClr val="tx1"/>
+                      </a:solidFill>
+                      <a:prstDash val="solid"/>
+                      <a:round/>
+                      <a:headEnd type="none" w="med" len="med"/>
+                      <a:tailEnd type="none" w="med" len="med"/>
+                    </a:lnR>
+                  </a:tcPr>
                 </a:tc>
                 <a:tc>
                   <a:txBody>
@@ -3291,11 +3310,91 @@
                       <a:endParaRPr lang="en-US" sz="1400" b="1" dirty="0"/>
                     </a:p>
                   </a:txBody>
-                  <a:tcPr/>
+                  <a:tcPr>
+                    <a:lnL w="28575" cap="flat" cmpd="sng" algn="ctr">
+                      <a:solidFill>
+                        <a:schemeClr val="tx1"/>
+                      </a:solidFill>
+                      <a:prstDash val="solid"/>
+                      <a:round/>
+                      <a:headEnd type="none" w="med" len="med"/>
+                      <a:tailEnd type="none" w="med" len="med"/>
+                    </a:lnL>
+                    <a:lnR w="28575" cap="flat" cmpd="sng" algn="ctr">
+                      <a:solidFill>
+                        <a:schemeClr val="tx1"/>
+                      </a:solidFill>
+                      <a:prstDash val="solid"/>
+                      <a:round/>
+                      <a:headEnd type="none" w="med" len="med"/>
+                      <a:tailEnd type="none" w="med" len="med"/>
+                    </a:lnR>
+                    <a:lnT w="28575" cap="flat" cmpd="sng" algn="ctr">
+                      <a:solidFill>
+                        <a:schemeClr val="tx1"/>
+                      </a:solidFill>
+                      <a:prstDash val="solid"/>
+                      <a:round/>
+                      <a:headEnd type="none" w="med" len="med"/>
+                      <a:tailEnd type="none" w="med" len="med"/>
+                    </a:lnT>
+                  </a:tcPr>
+                </a:tc>
+                <a:tc>
+                  <a:txBody>
+                    <a:bodyPr/>
+                    <a:lstStyle/>
+                    <a:p>
+                      <a:pPr algn="ctr"/>
+                      <a:endParaRPr lang="en-US" sz="2000" b="1" dirty="0"/>
+                    </a:p>
+                  </a:txBody>
+                  <a:tcPr vert="vert270">
+                    <a:lnL w="28575" cap="flat" cmpd="sng" algn="ctr">
+                      <a:solidFill>
+                        <a:schemeClr val="tx1"/>
+                      </a:solidFill>
+                      <a:prstDash val="solid"/>
+                      <a:round/>
+                      <a:headEnd type="none" w="med" len="med"/>
+                      <a:tailEnd type="none" w="med" len="med"/>
+                    </a:lnL>
+                    <a:lnR w="28575" cap="flat" cmpd="sng" algn="ctr">
+                      <a:noFill/>
+                      <a:prstDash val="solid"/>
+                      <a:round/>
+                      <a:headEnd type="none" w="med" len="med"/>
+                      <a:tailEnd type="none" w="med" len="med"/>
+                    </a:lnR>
+                    <a:lnT w="28575" cap="flat" cmpd="sng" algn="ctr">
+                      <a:noFill/>
+                      <a:prstDash val="solid"/>
+                      <a:round/>
+                      <a:headEnd type="none" w="med" len="med"/>
+                      <a:tailEnd type="none" w="med" len="med"/>
+                    </a:lnT>
+                    <a:lnB w="28575" cap="flat" cmpd="sng" algn="ctr">
+                      <a:solidFill>
+                        <a:schemeClr val="tx1"/>
+                      </a:solidFill>
+                      <a:prstDash val="solid"/>
+                      <a:round/>
+                      <a:headEnd type="none" w="med" len="med"/>
+                      <a:tailEnd type="none" w="med" len="med"/>
+                    </a:lnB>
+                    <a:lnTlToBr w="12700" cmpd="sng">
+                      <a:noFill/>
+                      <a:prstDash val="solid"/>
+                    </a:lnTlToBr>
+                    <a:lnBlToTr w="12700" cmpd="sng">
+                      <a:noFill/>
+                      <a:prstDash val="solid"/>
+                    </a:lnBlToTr>
+                  </a:tcPr>
                 </a:tc>
                 <a:extLst>
                   <a:ext uri="{0D108BD9-81ED-4DB2-BD59-A6C34878D82A}">
-                    <a16:rowId xmlns:a16="http://schemas.microsoft.com/office/drawing/2014/main" xmlns="" val="10000"/>
+                    <a16:rowId xmlns="" xmlns:a16="http://schemas.microsoft.com/office/drawing/2014/main" val="10000"/>
                   </a:ext>
                 </a:extLst>
               </a:tr>
@@ -3357,7 +3456,17 @@
                       <a:endParaRPr lang="en-US" sz="1400" dirty="0"/>
                     </a:p>
                   </a:txBody>
-                  <a:tcPr/>
+                  <a:tcPr>
+                    <a:lnR w="28575" cap="flat" cmpd="sng" algn="ctr">
+                      <a:solidFill>
+                        <a:schemeClr val="tx1"/>
+                      </a:solidFill>
+                      <a:prstDash val="solid"/>
+                      <a:round/>
+                      <a:headEnd type="none" w="med" len="med"/>
+                      <a:tailEnd type="none" w="med" len="med"/>
+                    </a:lnR>
+                  </a:tcPr>
                 </a:tc>
                 <a:tc>
                   <a:txBody>
@@ -3368,11 +3477,90 @@
                       <a:endParaRPr lang="en-US" sz="1400" dirty="0"/>
                     </a:p>
                   </a:txBody>
-                  <a:tcPr/>
+                  <a:tcPr>
+                    <a:lnL w="28575" cap="flat" cmpd="sng" algn="ctr">
+                      <a:solidFill>
+                        <a:schemeClr val="tx1"/>
+                      </a:solidFill>
+                      <a:prstDash val="solid"/>
+                      <a:round/>
+                      <a:headEnd type="none" w="med" len="med"/>
+                      <a:tailEnd type="none" w="med" len="med"/>
+                    </a:lnL>
+                    <a:lnR w="28575" cap="flat" cmpd="sng" algn="ctr">
+                      <a:solidFill>
+                        <a:schemeClr val="tx1"/>
+                      </a:solidFill>
+                      <a:prstDash val="solid"/>
+                      <a:round/>
+                      <a:headEnd type="none" w="med" len="med"/>
+                      <a:tailEnd type="none" w="med" len="med"/>
+                    </a:lnR>
+                  </a:tcPr>
+                </a:tc>
+                <a:tc>
+                  <a:txBody>
+                    <a:bodyPr/>
+                    <a:lstStyle/>
+                    <a:p>
+                      <a:pPr algn="ctr"/>
+                      <a:r>
+                        <a:rPr lang="en-CA" sz="1050" dirty="0" smtClean="0"/>
+                        <a:t>Same</a:t>
+                      </a:r>
+                      <a:endParaRPr lang="en-US" sz="1050" dirty="0"/>
+                    </a:p>
+                  </a:txBody>
+                  <a:tcPr vert="vert270">
+                    <a:lnL w="28575" cap="flat" cmpd="sng" algn="ctr">
+                      <a:solidFill>
+                        <a:schemeClr val="tx1"/>
+                      </a:solidFill>
+                      <a:prstDash val="solid"/>
+                      <a:round/>
+                      <a:headEnd type="none" w="med" len="med"/>
+                      <a:tailEnd type="none" w="med" len="med"/>
+                    </a:lnL>
+                    <a:lnR w="28575" cap="flat" cmpd="sng" algn="ctr">
+                      <a:solidFill>
+                        <a:schemeClr val="tx1"/>
+                      </a:solidFill>
+                      <a:prstDash val="solid"/>
+                      <a:round/>
+                      <a:headEnd type="none" w="med" len="med"/>
+                      <a:tailEnd type="none" w="med" len="med"/>
+                    </a:lnR>
+                    <a:lnT w="28575" cap="flat" cmpd="sng" algn="ctr">
+                      <a:solidFill>
+                        <a:schemeClr val="tx1"/>
+                      </a:solidFill>
+                      <a:prstDash val="solid"/>
+                      <a:round/>
+                      <a:headEnd type="none" w="med" len="med"/>
+                      <a:tailEnd type="none" w="med" len="med"/>
+                    </a:lnT>
+                    <a:lnB w="28575" cap="flat" cmpd="sng" algn="ctr">
+                      <a:solidFill>
+                        <a:schemeClr val="tx1"/>
+                      </a:solidFill>
+                      <a:prstDash val="solid"/>
+                      <a:round/>
+                      <a:headEnd type="none" w="med" len="med"/>
+                      <a:tailEnd type="none" w="med" len="med"/>
+                    </a:lnB>
+                    <a:lnTlToBr w="12700" cmpd="sng">
+                      <a:noFill/>
+                      <a:prstDash val="solid"/>
+                    </a:lnTlToBr>
+                    <a:lnBlToTr w="12700" cmpd="sng">
+                      <a:noFill/>
+                      <a:prstDash val="solid"/>
+                    </a:lnBlToTr>
+                  </a:tcPr>
                 </a:tc>
                 <a:extLst>
                   <a:ext uri="{0D108BD9-81ED-4DB2-BD59-A6C34878D82A}">
-                    <a16:rowId xmlns:a16="http://schemas.microsoft.com/office/drawing/2014/main" xmlns="" val="10001"/>
+                    <a16:rowId xmlns="" xmlns:a16="http://schemas.microsoft.com/office/drawing/2014/main" val="10001"/>
                   </a:ext>
                 </a:extLst>
               </a:tr>
@@ -3434,7 +3622,17 @@
                       <a:endParaRPr lang="en-US" sz="1400" dirty="0"/>
                     </a:p>
                   </a:txBody>
-                  <a:tcPr/>
+                  <a:tcPr>
+                    <a:lnR w="28575" cap="flat" cmpd="sng" algn="ctr">
+                      <a:solidFill>
+                        <a:schemeClr val="tx1"/>
+                      </a:solidFill>
+                      <a:prstDash val="solid"/>
+                      <a:round/>
+                      <a:headEnd type="none" w="med" len="med"/>
+                      <a:tailEnd type="none" w="med" len="med"/>
+                    </a:lnR>
+                  </a:tcPr>
                 </a:tc>
                 <a:tc>
                   <a:txBody>
@@ -3445,11 +3643,106 @@
                       <a:endParaRPr lang="en-US" sz="1400" dirty="0"/>
                     </a:p>
                   </a:txBody>
-                  <a:tcPr/>
+                  <a:tcPr>
+                    <a:lnL w="28575" cap="flat" cmpd="sng" algn="ctr">
+                      <a:solidFill>
+                        <a:schemeClr val="tx1"/>
+                      </a:solidFill>
+                      <a:prstDash val="solid"/>
+                      <a:round/>
+                      <a:headEnd type="none" w="med" len="med"/>
+                      <a:tailEnd type="none" w="med" len="med"/>
+                    </a:lnL>
+                    <a:lnR w="28575" cap="flat" cmpd="sng" algn="ctr">
+                      <a:solidFill>
+                        <a:schemeClr val="tx1"/>
+                      </a:solidFill>
+                      <a:prstDash val="solid"/>
+                      <a:round/>
+                      <a:headEnd type="none" w="med" len="med"/>
+                      <a:tailEnd type="none" w="med" len="med"/>
+                    </a:lnR>
+                  </a:tcPr>
+                </a:tc>
+                <a:tc>
+                  <a:txBody>
+                    <a:bodyPr/>
+                    <a:lstStyle/>
+                    <a:p>
+                      <a:pPr marL="0" marR="0" indent="0" algn="ctr" defTabSz="914400" rtl="0" eaLnBrk="1" fontAlgn="auto" latinLnBrk="0" hangingPunct="1">
+                        <a:lnSpc>
+                          <a:spcPct val="100000"/>
+                        </a:lnSpc>
+                        <a:spcBef>
+                          <a:spcPts val="0"/>
+                        </a:spcBef>
+                        <a:spcAft>
+                          <a:spcPts val="0"/>
+                        </a:spcAft>
+                        <a:buClrTx/>
+                        <a:buSzTx/>
+                        <a:buFontTx/>
+                        <a:buNone/>
+                        <a:tabLst/>
+                        <a:defRPr/>
+                      </a:pPr>
+                      <a:r>
+                        <a:rPr lang="en-CA" sz="1050" dirty="0" smtClean="0"/>
+                        <a:t>Same</a:t>
+                      </a:r>
+                      <a:endParaRPr lang="en-US" sz="1050" dirty="0" smtClean="0"/>
+                    </a:p>
+                  </a:txBody>
+                  <a:tcPr vert="vert270">
+                    <a:lnL w="28575" cap="flat" cmpd="sng" algn="ctr">
+                      <a:solidFill>
+                        <a:schemeClr val="tx1"/>
+                      </a:solidFill>
+                      <a:prstDash val="solid"/>
+                      <a:round/>
+                      <a:headEnd type="none" w="med" len="med"/>
+                      <a:tailEnd type="none" w="med" len="med"/>
+                    </a:lnL>
+                    <a:lnR w="28575" cap="flat" cmpd="sng" algn="ctr">
+                      <a:solidFill>
+                        <a:schemeClr val="tx1"/>
+                      </a:solidFill>
+                      <a:prstDash val="solid"/>
+                      <a:round/>
+                      <a:headEnd type="none" w="med" len="med"/>
+                      <a:tailEnd type="none" w="med" len="med"/>
+                    </a:lnR>
+                    <a:lnT w="28575" cap="flat" cmpd="sng" algn="ctr">
+                      <a:solidFill>
+                        <a:schemeClr val="tx1"/>
+                      </a:solidFill>
+                      <a:prstDash val="solid"/>
+                      <a:round/>
+                      <a:headEnd type="none" w="med" len="med"/>
+                      <a:tailEnd type="none" w="med" len="med"/>
+                    </a:lnT>
+                    <a:lnB w="28575" cap="flat" cmpd="sng" algn="ctr">
+                      <a:solidFill>
+                        <a:schemeClr val="tx1"/>
+                      </a:solidFill>
+                      <a:prstDash val="solid"/>
+                      <a:round/>
+                      <a:headEnd type="none" w="med" len="med"/>
+                      <a:tailEnd type="none" w="med" len="med"/>
+                    </a:lnB>
+                    <a:lnTlToBr w="12700" cmpd="sng">
+                      <a:noFill/>
+                      <a:prstDash val="solid"/>
+                    </a:lnTlToBr>
+                    <a:lnBlToTr w="12700" cmpd="sng">
+                      <a:noFill/>
+                      <a:prstDash val="solid"/>
+                    </a:lnBlToTr>
+                  </a:tcPr>
                 </a:tc>
                 <a:extLst>
                   <a:ext uri="{0D108BD9-81ED-4DB2-BD59-A6C34878D82A}">
-                    <a16:rowId xmlns:a16="http://schemas.microsoft.com/office/drawing/2014/main" xmlns="" val="10002"/>
+                    <a16:rowId xmlns="" xmlns:a16="http://schemas.microsoft.com/office/drawing/2014/main" val="10002"/>
                   </a:ext>
                 </a:extLst>
               </a:tr>
@@ -3511,7 +3804,17 @@
                       <a:endParaRPr lang="en-US" sz="1400" dirty="0"/>
                     </a:p>
                   </a:txBody>
-                  <a:tcPr/>
+                  <a:tcPr>
+                    <a:lnR w="28575" cap="flat" cmpd="sng" algn="ctr">
+                      <a:solidFill>
+                        <a:schemeClr val="tx1"/>
+                      </a:solidFill>
+                      <a:prstDash val="solid"/>
+                      <a:round/>
+                      <a:headEnd type="none" w="med" len="med"/>
+                      <a:tailEnd type="none" w="med" len="med"/>
+                    </a:lnR>
+                  </a:tcPr>
                 </a:tc>
                 <a:tc>
                   <a:txBody>
@@ -3522,11 +3825,115 @@
                       <a:endParaRPr lang="en-US" sz="1400" dirty="0"/>
                     </a:p>
                   </a:txBody>
-                  <a:tcPr/>
+                  <a:tcPr>
+                    <a:lnL w="28575" cap="flat" cmpd="sng" algn="ctr">
+                      <a:solidFill>
+                        <a:schemeClr val="tx1"/>
+                      </a:solidFill>
+                      <a:prstDash val="solid"/>
+                      <a:round/>
+                      <a:headEnd type="none" w="med" len="med"/>
+                      <a:tailEnd type="none" w="med" len="med"/>
+                    </a:lnL>
+                    <a:lnR w="28575" cap="flat" cmpd="sng" algn="ctr">
+                      <a:solidFill>
+                        <a:schemeClr val="tx1"/>
+                      </a:solidFill>
+                      <a:prstDash val="solid"/>
+                      <a:round/>
+                      <a:headEnd type="none" w="med" len="med"/>
+                      <a:tailEnd type="none" w="med" len="med"/>
+                    </a:lnR>
+                    <a:lnB w="28575" cap="flat" cmpd="sng" algn="ctr">
+                      <a:solidFill>
+                        <a:schemeClr val="tx1"/>
+                      </a:solidFill>
+                      <a:prstDash val="solid"/>
+                      <a:round/>
+                      <a:headEnd type="none" w="med" len="med"/>
+                      <a:tailEnd type="none" w="med" len="med"/>
+                    </a:lnB>
+                  </a:tcPr>
+                </a:tc>
+                <a:tc>
+                  <a:txBody>
+                    <a:bodyPr/>
+                    <a:lstStyle/>
+                    <a:p>
+                      <a:pPr marL="0" marR="0" indent="0" algn="ctr" defTabSz="914400" rtl="0" eaLnBrk="1" fontAlgn="auto" latinLnBrk="0" hangingPunct="1">
+                        <a:lnSpc>
+                          <a:spcPct val="100000"/>
+                        </a:lnSpc>
+                        <a:spcBef>
+                          <a:spcPts val="0"/>
+                        </a:spcBef>
+                        <a:spcAft>
+                          <a:spcPts val="0"/>
+                        </a:spcAft>
+                        <a:buClrTx/>
+                        <a:buSzTx/>
+                        <a:buFontTx/>
+                        <a:buNone/>
+                        <a:tabLst/>
+                        <a:defRPr/>
+                      </a:pPr>
+                      <a:r>
+                        <a:rPr lang="en-CA" sz="1050" dirty="0" smtClean="0"/>
+                        <a:t>Same</a:t>
+                      </a:r>
+                      <a:endParaRPr lang="en-US" sz="1050" dirty="0" smtClean="0"/>
+                    </a:p>
+                  </a:txBody>
+                  <a:tcPr vert="vert270">
+                    <a:lnL w="28575" cap="flat" cmpd="sng" algn="ctr">
+                      <a:solidFill>
+                        <a:schemeClr val="tx1"/>
+                      </a:solidFill>
+                      <a:prstDash val="solid"/>
+                      <a:round/>
+                      <a:headEnd type="none" w="med" len="med"/>
+                      <a:tailEnd type="none" w="med" len="med"/>
+                    </a:lnL>
+                    <a:lnR w="28575" cap="flat" cmpd="sng" algn="ctr">
+                      <a:solidFill>
+                        <a:schemeClr val="tx1"/>
+                      </a:solidFill>
+                      <a:prstDash val="solid"/>
+                      <a:round/>
+                      <a:headEnd type="none" w="med" len="med"/>
+                      <a:tailEnd type="none" w="med" len="med"/>
+                    </a:lnR>
+                    <a:lnT w="28575" cap="flat" cmpd="sng" algn="ctr">
+                      <a:solidFill>
+                        <a:schemeClr val="tx1"/>
+                      </a:solidFill>
+                      <a:prstDash val="solid"/>
+                      <a:round/>
+                      <a:headEnd type="none" w="med" len="med"/>
+                      <a:tailEnd type="none" w="med" len="med"/>
+                    </a:lnT>
+                    <a:lnB w="28575" cap="flat" cmpd="sng" algn="ctr">
+                      <a:solidFill>
+                        <a:schemeClr val="tx1"/>
+                      </a:solidFill>
+                      <a:prstDash val="solid"/>
+                      <a:round/>
+                      <a:headEnd type="none" w="med" len="med"/>
+                      <a:tailEnd type="none" w="med" len="med"/>
+                    </a:lnB>
+                    <a:lnTlToBr w="12700" cmpd="sng">
+                      <a:noFill/>
+                      <a:prstDash val="solid"/>
+                    </a:lnTlToBr>
+                    <a:lnBlToTr w="12700" cmpd="sng">
+                      <a:noFill/>
+                      <a:prstDash val="solid"/>
+                    </a:lnBlToTr>
+                  </a:tcPr>
                 </a:tc>
                 <a:extLst>
                   <a:ext uri="{0D108BD9-81ED-4DB2-BD59-A6C34878D82A}">
-                    <a16:rowId xmlns:a16="http://schemas.microsoft.com/office/drawing/2014/main" xmlns="" val="10003"/>
+                    <a16:rowId xmlns="" xmlns:a16="http://schemas.microsoft.com/office/drawing/2014/main" val="10003"/>
                   </a:ext>
                 </a:extLst>
               </a:tr>
@@ -3544,6 +3951,13 @@
   <p:clrMapOvr>
     <a:masterClrMapping/>
   </p:clrMapOvr>
+  <p:timing>
+    <p:tnLst>
+      <p:par>
+        <p:cTn id="1" dur="indefinite" restart="never" nodeType="tmRoot"/>
+      </p:par>
+    </p:tnLst>
+  </p:timing>
 </p:sld>
 </file>
 
@@ -3612,6 +4026,13 @@
   <p:clrMapOvr>
     <a:masterClrMapping/>
   </p:clrMapOvr>
+  <p:timing>
+    <p:tnLst>
+      <p:par>
+        <p:cTn id="1" dur="indefinite" restart="never" nodeType="tmRoot"/>
+      </p:par>
+    </p:tnLst>
+  </p:timing>
 </p:sld>
 </file>
 
@@ -3791,21 +4212,21 @@
       </p:sp>
       <p:graphicFrame>
         <p:nvGraphicFramePr>
-          <p:cNvPr id="6" name="Table 5"/>
+          <p:cNvPr id="7" name="Table 6"/>
           <p:cNvGraphicFramePr>
             <a:graphicFrameLocks noGrp="1"/>
           </p:cNvGraphicFramePr>
           <p:nvPr>
             <p:extLst>
               <p:ext uri="{D42A27DB-BD31-4B8C-83A1-F6EECF244321}">
-                <p14:modId xmlns:p14="http://schemas.microsoft.com/office/powerpoint/2010/main" val="2147353992"/>
+                <p14:modId xmlns:p14="http://schemas.microsoft.com/office/powerpoint/2010/main" val="3681707045"/>
               </p:ext>
             </p:extLst>
           </p:nvPr>
         </p:nvGraphicFramePr>
         <p:xfrm>
-          <a:off x="942000" y="3673670"/>
-          <a:ext cx="7573350" cy="2607832"/>
+          <a:off x="860661" y="3660022"/>
+          <a:ext cx="7546360" cy="2607832"/>
         </p:xfrm>
         <a:graphic>
           <a:graphicData uri="http://schemas.openxmlformats.org/drawingml/2006/table">
@@ -3814,48 +4235,49 @@
                 <a:tableStyleId>{5940675A-B579-460E-94D1-54222C63F5DA}</a:tableStyleId>
               </a:tblPr>
               <a:tblGrid>
-                <a:gridCol w="1060584">
+                <a:gridCol w="1043590">
                   <a:extLst>
                     <a:ext uri="{9D8B030D-6E8A-4147-A177-3AD203B41FA5}">
-                      <a16:colId xmlns:a16="http://schemas.microsoft.com/office/drawing/2014/main" xmlns="" val="20000"/>
+                      <a16:colId xmlns="" xmlns:a16="http://schemas.microsoft.com/office/drawing/2014/main" val="20000"/>
                     </a:ext>
                   </a:extLst>
                 </a:gridCol>
-                <a:gridCol w="1463866">
+                <a:gridCol w="1239717">
                   <a:extLst>
                     <a:ext uri="{9D8B030D-6E8A-4147-A177-3AD203B41FA5}">
-                      <a16:colId xmlns:a16="http://schemas.microsoft.com/office/drawing/2014/main" xmlns="" val="20001"/>
+                      <a16:colId xmlns="" xmlns:a16="http://schemas.microsoft.com/office/drawing/2014/main" val="20001"/>
                     </a:ext>
                   </a:extLst>
                 </a:gridCol>
-                <a:gridCol w="1262225">
+                <a:gridCol w="1239717">
                   <a:extLst>
                     <a:ext uri="{9D8B030D-6E8A-4147-A177-3AD203B41FA5}">
-                      <a16:colId xmlns:a16="http://schemas.microsoft.com/office/drawing/2014/main" xmlns="" val="20002"/>
+                      <a16:colId xmlns="" xmlns:a16="http://schemas.microsoft.com/office/drawing/2014/main" val="20002"/>
                     </a:ext>
                   </a:extLst>
                 </a:gridCol>
-                <a:gridCol w="1262225">
+                <a:gridCol w="1239717">
                   <a:extLst>
                     <a:ext uri="{9D8B030D-6E8A-4147-A177-3AD203B41FA5}">
-                      <a16:colId xmlns:a16="http://schemas.microsoft.com/office/drawing/2014/main" xmlns="" val="20003"/>
+                      <a16:colId xmlns="" xmlns:a16="http://schemas.microsoft.com/office/drawing/2014/main" val="20003"/>
                     </a:ext>
                   </a:extLst>
                 </a:gridCol>
-                <a:gridCol w="1262225">
+                <a:gridCol w="1239717">
                   <a:extLst>
                     <a:ext uri="{9D8B030D-6E8A-4147-A177-3AD203B41FA5}">
-                      <a16:colId xmlns:a16="http://schemas.microsoft.com/office/drawing/2014/main" xmlns="" val="20004"/>
+                      <a16:colId xmlns="" xmlns:a16="http://schemas.microsoft.com/office/drawing/2014/main" val="20004"/>
                     </a:ext>
                   </a:extLst>
                 </a:gridCol>
-                <a:gridCol w="1262225">
+                <a:gridCol w="1239717">
                   <a:extLst>
                     <a:ext uri="{9D8B030D-6E8A-4147-A177-3AD203B41FA5}">
-                      <a16:colId xmlns:a16="http://schemas.microsoft.com/office/drawing/2014/main" xmlns="" val="20005"/>
+                      <a16:colId xmlns="" xmlns:a16="http://schemas.microsoft.com/office/drawing/2014/main" val="20005"/>
                     </a:ext>
                   </a:extLst>
                 </a:gridCol>
+                <a:gridCol w="304185"/>
               </a:tblGrid>
               <a:tr h="515775">
                 <a:tc>
@@ -3880,10 +4302,14 @@
                     <a:p>
                       <a:pPr algn="ctr"/>
                       <a:r>
-                        <a:rPr lang="en-CA" sz="1400" b="1" dirty="0" smtClean="0"/>
-                        <a:t>H - Height</a:t>
+                        <a:rPr lang="en-CA" sz="1400" b="0" dirty="0" smtClean="0"/>
+                        <a:t>h </a:t>
                       </a:r>
-                      <a:endParaRPr lang="en-US" sz="1400" b="1" dirty="0"/>
+                      <a:r>
+                        <a:rPr lang="en-CA" sz="1400" b="0" dirty="0" smtClean="0"/>
+                        <a:t>- Height</a:t>
+                      </a:r>
+                      <a:endParaRPr lang="en-US" sz="1400" b="0" dirty="0"/>
                     </a:p>
                   </a:txBody>
                   <a:tcPr/>
@@ -3929,10 +4355,14 @@
                     <a:p>
                       <a:pPr algn="ctr"/>
                       <a:r>
-                        <a:rPr lang="en-CA" sz="1400" b="1" dirty="0" smtClean="0"/>
-                        <a:t>V - Speed</a:t>
+                        <a:rPr lang="en-CA" sz="1400" b="0" dirty="0" smtClean="0"/>
+                        <a:t>v </a:t>
                       </a:r>
-                      <a:endParaRPr lang="en-US" sz="1400" b="1" dirty="0"/>
+                      <a:r>
+                        <a:rPr lang="en-CA" sz="1400" b="0" dirty="0" smtClean="0"/>
+                        <a:t>- Speed</a:t>
+                      </a:r>
+                      <a:endParaRPr lang="en-US" sz="1400" b="0" dirty="0"/>
                     </a:p>
                   </a:txBody>
                   <a:tcPr/>
@@ -3969,7 +4399,17 @@
                       <a:endParaRPr lang="en-US" sz="1400" b="1" dirty="0"/>
                     </a:p>
                   </a:txBody>
-                  <a:tcPr/>
+                  <a:tcPr>
+                    <a:lnR w="28575" cap="flat" cmpd="sng" algn="ctr">
+                      <a:solidFill>
+                        <a:schemeClr val="tx1"/>
+                      </a:solidFill>
+                      <a:prstDash val="solid"/>
+                      <a:round/>
+                      <a:headEnd type="none" w="med" len="med"/>
+                      <a:tailEnd type="none" w="med" len="med"/>
+                    </a:lnR>
+                  </a:tcPr>
                 </a:tc>
                 <a:tc>
                   <a:txBody>
@@ -3999,11 +4439,91 @@
                       <a:endParaRPr lang="en-US" sz="1400" b="1" dirty="0"/>
                     </a:p>
                   </a:txBody>
-                  <a:tcPr/>
+                  <a:tcPr>
+                    <a:lnL w="28575" cap="flat" cmpd="sng" algn="ctr">
+                      <a:solidFill>
+                        <a:schemeClr val="tx1"/>
+                      </a:solidFill>
+                      <a:prstDash val="solid"/>
+                      <a:round/>
+                      <a:headEnd type="none" w="med" len="med"/>
+                      <a:tailEnd type="none" w="med" len="med"/>
+                    </a:lnL>
+                    <a:lnR w="28575" cap="flat" cmpd="sng" algn="ctr">
+                      <a:solidFill>
+                        <a:schemeClr val="tx1"/>
+                      </a:solidFill>
+                      <a:prstDash val="solid"/>
+                      <a:round/>
+                      <a:headEnd type="none" w="med" len="med"/>
+                      <a:tailEnd type="none" w="med" len="med"/>
+                    </a:lnR>
+                    <a:lnT w="28575" cap="flat" cmpd="sng" algn="ctr">
+                      <a:solidFill>
+                        <a:schemeClr val="tx1"/>
+                      </a:solidFill>
+                      <a:prstDash val="solid"/>
+                      <a:round/>
+                      <a:headEnd type="none" w="med" len="med"/>
+                      <a:tailEnd type="none" w="med" len="med"/>
+                    </a:lnT>
+                  </a:tcPr>
+                </a:tc>
+                <a:tc>
+                  <a:txBody>
+                    <a:bodyPr/>
+                    <a:lstStyle/>
+                    <a:p>
+                      <a:pPr algn="ctr"/>
+                      <a:endParaRPr lang="en-US" sz="2000" b="1" dirty="0"/>
+                    </a:p>
+                  </a:txBody>
+                  <a:tcPr vert="vert270">
+                    <a:lnL w="28575" cap="flat" cmpd="sng" algn="ctr">
+                      <a:solidFill>
+                        <a:schemeClr val="tx1"/>
+                      </a:solidFill>
+                      <a:prstDash val="solid"/>
+                      <a:round/>
+                      <a:headEnd type="none" w="med" len="med"/>
+                      <a:tailEnd type="none" w="med" len="med"/>
+                    </a:lnL>
+                    <a:lnR w="28575" cap="flat" cmpd="sng" algn="ctr">
+                      <a:noFill/>
+                      <a:prstDash val="solid"/>
+                      <a:round/>
+                      <a:headEnd type="none" w="med" len="med"/>
+                      <a:tailEnd type="none" w="med" len="med"/>
+                    </a:lnR>
+                    <a:lnT w="28575" cap="flat" cmpd="sng" algn="ctr">
+                      <a:noFill/>
+                      <a:prstDash val="solid"/>
+                      <a:round/>
+                      <a:headEnd type="none" w="med" len="med"/>
+                      <a:tailEnd type="none" w="med" len="med"/>
+                    </a:lnT>
+                    <a:lnB w="28575" cap="flat" cmpd="sng" algn="ctr">
+                      <a:solidFill>
+                        <a:schemeClr val="tx1"/>
+                      </a:solidFill>
+                      <a:prstDash val="solid"/>
+                      <a:round/>
+                      <a:headEnd type="none" w="med" len="med"/>
+                      <a:tailEnd type="none" w="med" len="med"/>
+                    </a:lnB>
+                    <a:lnTlToBr w="12700" cmpd="sng">
+                      <a:noFill/>
+                      <a:prstDash val="solid"/>
+                    </a:lnTlToBr>
+                    <a:lnBlToTr w="12700" cmpd="sng">
+                      <a:noFill/>
+                      <a:prstDash val="solid"/>
+                    </a:lnBlToTr>
+                  </a:tcPr>
                 </a:tc>
                 <a:extLst>
                   <a:ext uri="{0D108BD9-81ED-4DB2-BD59-A6C34878D82A}">
-                    <a16:rowId xmlns:a16="http://schemas.microsoft.com/office/drawing/2014/main" xmlns="" val="10000"/>
+                    <a16:rowId xmlns="" xmlns:a16="http://schemas.microsoft.com/office/drawing/2014/main" val="10000"/>
                   </a:ext>
                 </a:extLst>
               </a:tr>
@@ -4065,7 +4585,17 @@
                       <a:endParaRPr lang="en-US" sz="1400" dirty="0"/>
                     </a:p>
                   </a:txBody>
-                  <a:tcPr/>
+                  <a:tcPr>
+                    <a:lnR w="28575" cap="flat" cmpd="sng" algn="ctr">
+                      <a:solidFill>
+                        <a:schemeClr val="tx1"/>
+                      </a:solidFill>
+                      <a:prstDash val="solid"/>
+                      <a:round/>
+                      <a:headEnd type="none" w="med" len="med"/>
+                      <a:tailEnd type="none" w="med" len="med"/>
+                    </a:lnR>
+                  </a:tcPr>
                 </a:tc>
                 <a:tc>
                   <a:txBody>
@@ -4076,11 +4606,90 @@
                       <a:endParaRPr lang="en-US" sz="1400" dirty="0"/>
                     </a:p>
                   </a:txBody>
-                  <a:tcPr/>
+                  <a:tcPr>
+                    <a:lnL w="28575" cap="flat" cmpd="sng" algn="ctr">
+                      <a:solidFill>
+                        <a:schemeClr val="tx1"/>
+                      </a:solidFill>
+                      <a:prstDash val="solid"/>
+                      <a:round/>
+                      <a:headEnd type="none" w="med" len="med"/>
+                      <a:tailEnd type="none" w="med" len="med"/>
+                    </a:lnL>
+                    <a:lnR w="28575" cap="flat" cmpd="sng" algn="ctr">
+                      <a:solidFill>
+                        <a:schemeClr val="tx1"/>
+                      </a:solidFill>
+                      <a:prstDash val="solid"/>
+                      <a:round/>
+                      <a:headEnd type="none" w="med" len="med"/>
+                      <a:tailEnd type="none" w="med" len="med"/>
+                    </a:lnR>
+                  </a:tcPr>
+                </a:tc>
+                <a:tc>
+                  <a:txBody>
+                    <a:bodyPr/>
+                    <a:lstStyle/>
+                    <a:p>
+                      <a:pPr algn="ctr"/>
+                      <a:r>
+                        <a:rPr lang="en-CA" sz="1050" dirty="0" smtClean="0"/>
+                        <a:t>Same</a:t>
+                      </a:r>
+                      <a:endParaRPr lang="en-US" sz="1050" dirty="0"/>
+                    </a:p>
+                  </a:txBody>
+                  <a:tcPr vert="vert270">
+                    <a:lnL w="28575" cap="flat" cmpd="sng" algn="ctr">
+                      <a:solidFill>
+                        <a:schemeClr val="tx1"/>
+                      </a:solidFill>
+                      <a:prstDash val="solid"/>
+                      <a:round/>
+                      <a:headEnd type="none" w="med" len="med"/>
+                      <a:tailEnd type="none" w="med" len="med"/>
+                    </a:lnL>
+                    <a:lnR w="28575" cap="flat" cmpd="sng" algn="ctr">
+                      <a:solidFill>
+                        <a:schemeClr val="tx1"/>
+                      </a:solidFill>
+                      <a:prstDash val="solid"/>
+                      <a:round/>
+                      <a:headEnd type="none" w="med" len="med"/>
+                      <a:tailEnd type="none" w="med" len="med"/>
+                    </a:lnR>
+                    <a:lnT w="28575" cap="flat" cmpd="sng" algn="ctr">
+                      <a:solidFill>
+                        <a:schemeClr val="tx1"/>
+                      </a:solidFill>
+                      <a:prstDash val="solid"/>
+                      <a:round/>
+                      <a:headEnd type="none" w="med" len="med"/>
+                      <a:tailEnd type="none" w="med" len="med"/>
+                    </a:lnT>
+                    <a:lnB w="28575" cap="flat" cmpd="sng" algn="ctr">
+                      <a:solidFill>
+                        <a:schemeClr val="tx1"/>
+                      </a:solidFill>
+                      <a:prstDash val="solid"/>
+                      <a:round/>
+                      <a:headEnd type="none" w="med" len="med"/>
+                      <a:tailEnd type="none" w="med" len="med"/>
+                    </a:lnB>
+                    <a:lnTlToBr w="12700" cmpd="sng">
+                      <a:noFill/>
+                      <a:prstDash val="solid"/>
+                    </a:lnTlToBr>
+                    <a:lnBlToTr w="12700" cmpd="sng">
+                      <a:noFill/>
+                      <a:prstDash val="solid"/>
+                    </a:lnBlToTr>
+                  </a:tcPr>
                 </a:tc>
                 <a:extLst>
                   <a:ext uri="{0D108BD9-81ED-4DB2-BD59-A6C34878D82A}">
-                    <a16:rowId xmlns:a16="http://schemas.microsoft.com/office/drawing/2014/main" xmlns="" val="10001"/>
+                    <a16:rowId xmlns="" xmlns:a16="http://schemas.microsoft.com/office/drawing/2014/main" val="10001"/>
                   </a:ext>
                 </a:extLst>
               </a:tr>
@@ -4142,7 +4751,17 @@
                       <a:endParaRPr lang="en-US" sz="1400" dirty="0"/>
                     </a:p>
                   </a:txBody>
-                  <a:tcPr/>
+                  <a:tcPr>
+                    <a:lnR w="28575" cap="flat" cmpd="sng" algn="ctr">
+                      <a:solidFill>
+                        <a:schemeClr val="tx1"/>
+                      </a:solidFill>
+                      <a:prstDash val="solid"/>
+                      <a:round/>
+                      <a:headEnd type="none" w="med" len="med"/>
+                      <a:tailEnd type="none" w="med" len="med"/>
+                    </a:lnR>
+                  </a:tcPr>
                 </a:tc>
                 <a:tc>
                   <a:txBody>
@@ -4153,11 +4772,106 @@
                       <a:endParaRPr lang="en-US" sz="1400" dirty="0"/>
                     </a:p>
                   </a:txBody>
-                  <a:tcPr/>
+                  <a:tcPr>
+                    <a:lnL w="28575" cap="flat" cmpd="sng" algn="ctr">
+                      <a:solidFill>
+                        <a:schemeClr val="tx1"/>
+                      </a:solidFill>
+                      <a:prstDash val="solid"/>
+                      <a:round/>
+                      <a:headEnd type="none" w="med" len="med"/>
+                      <a:tailEnd type="none" w="med" len="med"/>
+                    </a:lnL>
+                    <a:lnR w="28575" cap="flat" cmpd="sng" algn="ctr">
+                      <a:solidFill>
+                        <a:schemeClr val="tx1"/>
+                      </a:solidFill>
+                      <a:prstDash val="solid"/>
+                      <a:round/>
+                      <a:headEnd type="none" w="med" len="med"/>
+                      <a:tailEnd type="none" w="med" len="med"/>
+                    </a:lnR>
+                  </a:tcPr>
+                </a:tc>
+                <a:tc>
+                  <a:txBody>
+                    <a:bodyPr/>
+                    <a:lstStyle/>
+                    <a:p>
+                      <a:pPr marL="0" marR="0" indent="0" algn="ctr" defTabSz="914400" rtl="0" eaLnBrk="1" fontAlgn="auto" latinLnBrk="0" hangingPunct="1">
+                        <a:lnSpc>
+                          <a:spcPct val="100000"/>
+                        </a:lnSpc>
+                        <a:spcBef>
+                          <a:spcPts val="0"/>
+                        </a:spcBef>
+                        <a:spcAft>
+                          <a:spcPts val="0"/>
+                        </a:spcAft>
+                        <a:buClrTx/>
+                        <a:buSzTx/>
+                        <a:buFontTx/>
+                        <a:buNone/>
+                        <a:tabLst/>
+                        <a:defRPr/>
+                      </a:pPr>
+                      <a:r>
+                        <a:rPr lang="en-CA" sz="1050" dirty="0" smtClean="0"/>
+                        <a:t>Same</a:t>
+                      </a:r>
+                      <a:endParaRPr lang="en-US" sz="1050" dirty="0" smtClean="0"/>
+                    </a:p>
+                  </a:txBody>
+                  <a:tcPr vert="vert270">
+                    <a:lnL w="28575" cap="flat" cmpd="sng" algn="ctr">
+                      <a:solidFill>
+                        <a:schemeClr val="tx1"/>
+                      </a:solidFill>
+                      <a:prstDash val="solid"/>
+                      <a:round/>
+                      <a:headEnd type="none" w="med" len="med"/>
+                      <a:tailEnd type="none" w="med" len="med"/>
+                    </a:lnL>
+                    <a:lnR w="28575" cap="flat" cmpd="sng" algn="ctr">
+                      <a:solidFill>
+                        <a:schemeClr val="tx1"/>
+                      </a:solidFill>
+                      <a:prstDash val="solid"/>
+                      <a:round/>
+                      <a:headEnd type="none" w="med" len="med"/>
+                      <a:tailEnd type="none" w="med" len="med"/>
+                    </a:lnR>
+                    <a:lnT w="28575" cap="flat" cmpd="sng" algn="ctr">
+                      <a:solidFill>
+                        <a:schemeClr val="tx1"/>
+                      </a:solidFill>
+                      <a:prstDash val="solid"/>
+                      <a:round/>
+                      <a:headEnd type="none" w="med" len="med"/>
+                      <a:tailEnd type="none" w="med" len="med"/>
+                    </a:lnT>
+                    <a:lnB w="28575" cap="flat" cmpd="sng" algn="ctr">
+                      <a:solidFill>
+                        <a:schemeClr val="tx1"/>
+                      </a:solidFill>
+                      <a:prstDash val="solid"/>
+                      <a:round/>
+                      <a:headEnd type="none" w="med" len="med"/>
+                      <a:tailEnd type="none" w="med" len="med"/>
+                    </a:lnB>
+                    <a:lnTlToBr w="12700" cmpd="sng">
+                      <a:noFill/>
+                      <a:prstDash val="solid"/>
+                    </a:lnTlToBr>
+                    <a:lnBlToTr w="12700" cmpd="sng">
+                      <a:noFill/>
+                      <a:prstDash val="solid"/>
+                    </a:lnBlToTr>
+                  </a:tcPr>
                 </a:tc>
                 <a:extLst>
                   <a:ext uri="{0D108BD9-81ED-4DB2-BD59-A6C34878D82A}">
-                    <a16:rowId xmlns:a16="http://schemas.microsoft.com/office/drawing/2014/main" xmlns="" val="10002"/>
+                    <a16:rowId xmlns="" xmlns:a16="http://schemas.microsoft.com/office/drawing/2014/main" val="10002"/>
                   </a:ext>
                 </a:extLst>
               </a:tr>
@@ -4219,7 +4933,17 @@
                       <a:endParaRPr lang="en-US" sz="1400" dirty="0"/>
                     </a:p>
                   </a:txBody>
-                  <a:tcPr/>
+                  <a:tcPr>
+                    <a:lnR w="28575" cap="flat" cmpd="sng" algn="ctr">
+                      <a:solidFill>
+                        <a:schemeClr val="tx1"/>
+                      </a:solidFill>
+                      <a:prstDash val="solid"/>
+                      <a:round/>
+                      <a:headEnd type="none" w="med" len="med"/>
+                      <a:tailEnd type="none" w="med" len="med"/>
+                    </a:lnR>
+                  </a:tcPr>
                 </a:tc>
                 <a:tc>
                   <a:txBody>
@@ -4230,11 +4954,115 @@
                       <a:endParaRPr lang="en-US" sz="1400" dirty="0"/>
                     </a:p>
                   </a:txBody>
-                  <a:tcPr/>
+                  <a:tcPr>
+                    <a:lnL w="28575" cap="flat" cmpd="sng" algn="ctr">
+                      <a:solidFill>
+                        <a:schemeClr val="tx1"/>
+                      </a:solidFill>
+                      <a:prstDash val="solid"/>
+                      <a:round/>
+                      <a:headEnd type="none" w="med" len="med"/>
+                      <a:tailEnd type="none" w="med" len="med"/>
+                    </a:lnL>
+                    <a:lnR w="28575" cap="flat" cmpd="sng" algn="ctr">
+                      <a:solidFill>
+                        <a:schemeClr val="tx1"/>
+                      </a:solidFill>
+                      <a:prstDash val="solid"/>
+                      <a:round/>
+                      <a:headEnd type="none" w="med" len="med"/>
+                      <a:tailEnd type="none" w="med" len="med"/>
+                    </a:lnR>
+                    <a:lnB w="28575" cap="flat" cmpd="sng" algn="ctr">
+                      <a:solidFill>
+                        <a:schemeClr val="tx1"/>
+                      </a:solidFill>
+                      <a:prstDash val="solid"/>
+                      <a:round/>
+                      <a:headEnd type="none" w="med" len="med"/>
+                      <a:tailEnd type="none" w="med" len="med"/>
+                    </a:lnB>
+                  </a:tcPr>
+                </a:tc>
+                <a:tc>
+                  <a:txBody>
+                    <a:bodyPr/>
+                    <a:lstStyle/>
+                    <a:p>
+                      <a:pPr marL="0" marR="0" indent="0" algn="ctr" defTabSz="914400" rtl="0" eaLnBrk="1" fontAlgn="auto" latinLnBrk="0" hangingPunct="1">
+                        <a:lnSpc>
+                          <a:spcPct val="100000"/>
+                        </a:lnSpc>
+                        <a:spcBef>
+                          <a:spcPts val="0"/>
+                        </a:spcBef>
+                        <a:spcAft>
+                          <a:spcPts val="0"/>
+                        </a:spcAft>
+                        <a:buClrTx/>
+                        <a:buSzTx/>
+                        <a:buFontTx/>
+                        <a:buNone/>
+                        <a:tabLst/>
+                        <a:defRPr/>
+                      </a:pPr>
+                      <a:r>
+                        <a:rPr lang="en-CA" sz="1050" dirty="0" smtClean="0"/>
+                        <a:t>Same</a:t>
+                      </a:r>
+                      <a:endParaRPr lang="en-US" sz="1050" dirty="0" smtClean="0"/>
+                    </a:p>
+                  </a:txBody>
+                  <a:tcPr vert="vert270">
+                    <a:lnL w="28575" cap="flat" cmpd="sng" algn="ctr">
+                      <a:solidFill>
+                        <a:schemeClr val="tx1"/>
+                      </a:solidFill>
+                      <a:prstDash val="solid"/>
+                      <a:round/>
+                      <a:headEnd type="none" w="med" len="med"/>
+                      <a:tailEnd type="none" w="med" len="med"/>
+                    </a:lnL>
+                    <a:lnR w="28575" cap="flat" cmpd="sng" algn="ctr">
+                      <a:solidFill>
+                        <a:schemeClr val="tx1"/>
+                      </a:solidFill>
+                      <a:prstDash val="solid"/>
+                      <a:round/>
+                      <a:headEnd type="none" w="med" len="med"/>
+                      <a:tailEnd type="none" w="med" len="med"/>
+                    </a:lnR>
+                    <a:lnT w="28575" cap="flat" cmpd="sng" algn="ctr">
+                      <a:solidFill>
+                        <a:schemeClr val="tx1"/>
+                      </a:solidFill>
+                      <a:prstDash val="solid"/>
+                      <a:round/>
+                      <a:headEnd type="none" w="med" len="med"/>
+                      <a:tailEnd type="none" w="med" len="med"/>
+                    </a:lnT>
+                    <a:lnB w="28575" cap="flat" cmpd="sng" algn="ctr">
+                      <a:solidFill>
+                        <a:schemeClr val="tx1"/>
+                      </a:solidFill>
+                      <a:prstDash val="solid"/>
+                      <a:round/>
+                      <a:headEnd type="none" w="med" len="med"/>
+                      <a:tailEnd type="none" w="med" len="med"/>
+                    </a:lnB>
+                    <a:lnTlToBr w="12700" cmpd="sng">
+                      <a:noFill/>
+                      <a:prstDash val="solid"/>
+                    </a:lnTlToBr>
+                    <a:lnBlToTr w="12700" cmpd="sng">
+                      <a:noFill/>
+                      <a:prstDash val="solid"/>
+                    </a:lnBlToTr>
+                  </a:tcPr>
                 </a:tc>
                 <a:extLst>
                   <a:ext uri="{0D108BD9-81ED-4DB2-BD59-A6C34878D82A}">
-                    <a16:rowId xmlns:a16="http://schemas.microsoft.com/office/drawing/2014/main" xmlns="" val="10003"/>
+                    <a16:rowId xmlns="" xmlns:a16="http://schemas.microsoft.com/office/drawing/2014/main" val="10003"/>
                   </a:ext>
                 </a:extLst>
               </a:tr>
